--- a/week-1/W1-S2-introducing-html/W1-S2-introducing-html.pptx
+++ b/week-1/W1-S2-introducing-html/W1-S2-introducing-html.pptx
@@ -469,7 +469,7 @@
           <a:p>
             <a:fld id="{AA884A5F-B9F5-9B43-BE5B-EBBCD5646595}" type="datetimeFigureOut">
               <a:rPr lang="en-US" smtClean="0"/>
-              <a:t>9/9/24</a:t>
+              <a:t>9/19/24</a:t>
             </a:fld>
             <a:endParaRPr lang="en-US"/>
           </a:p>
@@ -1066,7 +1066,7 @@
           <a:p>
             <a:fld id="{F6FA2B21-3FCD-4721-B95C-427943F61125}" type="datetime1">
               <a:rPr lang="en-US" smtClean="0"/>
-              <a:t>9/9/24</a:t>
+              <a:t>9/19/24</a:t>
             </a:fld>
             <a:endParaRPr lang="en-US"/>
           </a:p>
@@ -1329,7 +1329,7 @@
           <a:p>
             <a:fld id="{F6FA2B21-3FCD-4721-B95C-427943F61125}" type="datetime1">
               <a:rPr lang="en-US" smtClean="0"/>
-              <a:t>9/9/24</a:t>
+              <a:t>9/19/24</a:t>
             </a:fld>
             <a:endParaRPr lang="en-US"/>
           </a:p>
@@ -1565,7 +1565,7 @@
           <a:p>
             <a:fld id="{F6FA2B21-3FCD-4721-B95C-427943F61125}" type="datetime1">
               <a:rPr lang="en-US" smtClean="0"/>
-              <a:t>9/9/24</a:t>
+              <a:t>9/19/24</a:t>
             </a:fld>
             <a:endParaRPr lang="en-US"/>
           </a:p>
@@ -1893,7 +1893,7 @@
           <a:p>
             <a:fld id="{EA0C0817-A112-4847-8014-A94B7D2A4EA3}" type="datetime1">
               <a:rPr lang="en-US" smtClean="0"/>
-              <a:t>9/9/24</a:t>
+              <a:t>9/19/24</a:t>
             </a:fld>
             <a:endParaRPr lang="en-US" dirty="0"/>
           </a:p>
@@ -2207,7 +2207,7 @@
           <a:p>
             <a:fld id="{7332B432-ACDA-4023-A761-2BAB76577B62}" type="datetime1">
               <a:rPr lang="en-US" smtClean="0"/>
-              <a:t>9/9/24</a:t>
+              <a:t>9/19/24</a:t>
             </a:fld>
             <a:endParaRPr lang="en-US"/>
           </a:p>
@@ -2514,7 +2514,7 @@
           <a:p>
             <a:fld id="{D9C646AA-F36E-4540-911D-FFFC0A0EF24A}" type="datetime1">
               <a:rPr lang="en-US" smtClean="0"/>
-              <a:t>9/9/24</a:t>
+              <a:t>9/19/24</a:t>
             </a:fld>
             <a:endParaRPr lang="en-US" dirty="0"/>
           </a:p>
@@ -2816,7 +2816,7 @@
           <a:p>
             <a:fld id="{69186D26-FA5F-4637-B602-B7C2DC34CFD4}" type="datetime1">
               <a:rPr lang="en-US" smtClean="0"/>
-              <a:t>9/9/24</a:t>
+              <a:t>9/19/24</a:t>
             </a:fld>
             <a:endParaRPr lang="en-US"/>
           </a:p>
@@ -3238,7 +3238,7 @@
           <a:p>
             <a:fld id="{8A7F15D8-96D1-4781-BC50-CA8A088B2FE4}" type="datetime1">
               <a:rPr lang="en-US" smtClean="0"/>
-              <a:t>9/9/24</a:t>
+              <a:t>9/19/24</a:t>
             </a:fld>
             <a:endParaRPr lang="en-US"/>
           </a:p>
@@ -3400,7 +3400,7 @@
           <a:p>
             <a:fld id="{F9A96C99-B8F8-4528-BD05-0E16E943DC09}" type="datetime1">
               <a:rPr lang="en-US" smtClean="0"/>
-              <a:t>9/9/24</a:t>
+              <a:t>9/19/24</a:t>
             </a:fld>
             <a:endParaRPr lang="en-US"/>
           </a:p>
@@ -3495,7 +3495,7 @@
           <a:p>
             <a:fld id="{03636942-C211-4B28-8DBD-C953E00AF71B}" type="datetime1">
               <a:rPr lang="en-US" smtClean="0"/>
-              <a:t>9/9/24</a:t>
+              <a:t>9/19/24</a:t>
             </a:fld>
             <a:endParaRPr lang="en-US"/>
           </a:p>
@@ -3873,7 +3873,7 @@
           <a:p>
             <a:fld id="{7E8D12A6-918A-48BD-8CB9-CA713993B0EA}" type="datetime1">
               <a:rPr lang="en-US" smtClean="0"/>
-              <a:t>9/9/24</a:t>
+              <a:t>9/19/24</a:t>
             </a:fld>
             <a:endParaRPr lang="en-US"/>
           </a:p>
@@ -4162,7 +4162,7 @@
           <a:p>
             <a:fld id="{F6FA2B21-3FCD-4721-B95C-427943F61125}" type="datetime1">
               <a:rPr lang="en-US" smtClean="0"/>
-              <a:t>9/9/24</a:t>
+              <a:t>9/19/24</a:t>
             </a:fld>
             <a:endParaRPr lang="en-US"/>
           </a:p>
@@ -4374,7 +4374,7 @@
           <a:p>
             <a:fld id="{F6FA2B21-3FCD-4721-B95C-427943F61125}" type="datetime1">
               <a:rPr lang="en-US" smtClean="0"/>
-              <a:t>9/9/24</a:t>
+              <a:t>9/19/24</a:t>
             </a:fld>
             <a:endParaRPr lang="en-US"/>
           </a:p>
@@ -6296,6 +6296,53 @@
           </a:prstGeom>
         </p:spPr>
       </p:pic>
+      <p:sp>
+        <p:nvSpPr>
+          <p:cNvPr id="4" name="TextBox 3">
+            <a:extLst>
+              <a:ext uri="{FF2B5EF4-FFF2-40B4-BE49-F238E27FC236}">
+                <a16:creationId xmlns:a16="http://schemas.microsoft.com/office/drawing/2014/main" id="{7851A059-134A-E49E-4480-8FD1A77C3FA7}"/>
+              </a:ext>
+            </a:extLst>
+          </p:cNvPr>
+          <p:cNvSpPr txBox="1"/>
+          <p:nvPr/>
+        </p:nvSpPr>
+        <p:spPr>
+          <a:xfrm>
+            <a:off x="819398" y="6125402"/>
+            <a:ext cx="2239909" cy="369332"/>
+          </a:xfrm>
+          <a:prstGeom prst="rect">
+            <a:avLst/>
+          </a:prstGeom>
+          <a:noFill/>
+        </p:spPr>
+        <p:txBody>
+          <a:bodyPr wrap="none" rtlCol="0">
+            <a:spAutoFit/>
+          </a:bodyPr>
+          <a:lstStyle/>
+          <a:p>
+            <a:r>
+              <a:rPr lang="en-US" dirty="0">
+                <a:solidFill>
+                  <a:schemeClr val="tx2"/>
+                </a:solidFill>
+              </a:rPr>
+              <a:t>Time for a challenge</a:t>
+            </a:r>
+            <a:r>
+              <a:rPr lang="en-US" dirty="0">
+                <a:solidFill>
+                  <a:srgbClr val="FFC000"/>
+                </a:solidFill>
+              </a:rPr>
+              <a:t>!</a:t>
+            </a:r>
+          </a:p>
+        </p:txBody>
+      </p:sp>
     </p:spTree>
     <p:extLst>
       <p:ext uri="{BB962C8B-B14F-4D97-AF65-F5344CB8AC3E}">
@@ -6826,8 +6873,13 @@
           <a:p>
             <a:r>
               <a:rPr lang="en-GB" dirty="0"/>
-              <a:t>Introduction to the Terminal, GitHub, and VSCode</a:t>
-            </a:r>
+              <a:t>Introduction to HTML with </a:t>
+            </a:r>
+            <a:r>
+              <a:rPr lang="en-GB" dirty="0" err="1"/>
+              <a:t>vscode</a:t>
+            </a:r>
+            <a:endParaRPr lang="en-GB" dirty="0"/>
           </a:p>
         </p:txBody>
       </p:sp>
